--- a/Файлы для защиты проекта/Презентация.pptx
+++ b/Файлы для защиты проекта/Презентация.pptx
@@ -10,17 +10,18 @@
     <p:sldId id="258" r:id="rId4"/>
     <p:sldId id="259" r:id="rId5"/>
     <p:sldId id="260" r:id="rId6"/>
-    <p:sldId id="261" r:id="rId7"/>
-    <p:sldId id="262" r:id="rId8"/>
-    <p:sldId id="263" r:id="rId9"/>
-    <p:sldId id="264" r:id="rId10"/>
-    <p:sldId id="265" r:id="rId11"/>
-    <p:sldId id="266" r:id="rId12"/>
-    <p:sldId id="267" r:id="rId13"/>
-    <p:sldId id="268" r:id="rId14"/>
-    <p:sldId id="269" r:id="rId15"/>
-    <p:sldId id="270" r:id="rId16"/>
-    <p:sldId id="271" r:id="rId17"/>
+    <p:sldId id="272" r:id="rId7"/>
+    <p:sldId id="261" r:id="rId8"/>
+    <p:sldId id="262" r:id="rId9"/>
+    <p:sldId id="263" r:id="rId10"/>
+    <p:sldId id="264" r:id="rId11"/>
+    <p:sldId id="265" r:id="rId12"/>
+    <p:sldId id="266" r:id="rId13"/>
+    <p:sldId id="267" r:id="rId14"/>
+    <p:sldId id="268" r:id="rId15"/>
+    <p:sldId id="269" r:id="rId16"/>
+    <p:sldId id="270" r:id="rId17"/>
+    <p:sldId id="271" r:id="rId18"/>
   </p:sldIdLst>
   <p:sldSz cx="12192000" cy="6858000"/>
   <p:notesSz cx="6858000" cy="9144000"/>
@@ -119,6 +120,11 @@
       </a:defRPr>
     </a:lvl9pPr>
   </p:defaultTextStyle>
+  <p:extLst>
+    <p:ext uri="{EFAFB233-063F-42B5-8137-9DF3F51BA10A}">
+      <p15:sldGuideLst xmlns:p15="http://schemas.microsoft.com/office/powerpoint/2012/main"/>
+    </p:ext>
+  </p:extLst>
 </p:presentation>
 </file>
 
@@ -269,7 +275,7 @@
           <a:p>
             <a:fld id="{2FD51200-14B8-4398-BE77-9EEBCDDFA0AF}" type="datetimeFigureOut">
               <a:rPr lang="ru-RU" smtClean="0"/>
-              <a:t>14.12.2022</a:t>
+              <a:t>16.12.2022</a:t>
             </a:fld>
             <a:endParaRPr lang="ru-RU"/>
           </a:p>
@@ -467,7 +473,7 @@
           <a:p>
             <a:fld id="{2FD51200-14B8-4398-BE77-9EEBCDDFA0AF}" type="datetimeFigureOut">
               <a:rPr lang="ru-RU" smtClean="0"/>
-              <a:t>14.12.2022</a:t>
+              <a:t>16.12.2022</a:t>
             </a:fld>
             <a:endParaRPr lang="ru-RU"/>
           </a:p>
@@ -675,7 +681,7 @@
           <a:p>
             <a:fld id="{2FD51200-14B8-4398-BE77-9EEBCDDFA0AF}" type="datetimeFigureOut">
               <a:rPr lang="ru-RU" smtClean="0"/>
-              <a:t>14.12.2022</a:t>
+              <a:t>16.12.2022</a:t>
             </a:fld>
             <a:endParaRPr lang="ru-RU"/>
           </a:p>
@@ -873,7 +879,7 @@
           <a:p>
             <a:fld id="{2FD51200-14B8-4398-BE77-9EEBCDDFA0AF}" type="datetimeFigureOut">
               <a:rPr lang="ru-RU" smtClean="0"/>
-              <a:t>14.12.2022</a:t>
+              <a:t>16.12.2022</a:t>
             </a:fld>
             <a:endParaRPr lang="ru-RU"/>
           </a:p>
@@ -1148,7 +1154,7 @@
           <a:p>
             <a:fld id="{2FD51200-14B8-4398-BE77-9EEBCDDFA0AF}" type="datetimeFigureOut">
               <a:rPr lang="ru-RU" smtClean="0"/>
-              <a:t>14.12.2022</a:t>
+              <a:t>16.12.2022</a:t>
             </a:fld>
             <a:endParaRPr lang="ru-RU"/>
           </a:p>
@@ -1413,7 +1419,7 @@
           <a:p>
             <a:fld id="{2FD51200-14B8-4398-BE77-9EEBCDDFA0AF}" type="datetimeFigureOut">
               <a:rPr lang="ru-RU" smtClean="0"/>
-              <a:t>14.12.2022</a:t>
+              <a:t>16.12.2022</a:t>
             </a:fld>
             <a:endParaRPr lang="ru-RU"/>
           </a:p>
@@ -1825,7 +1831,7 @@
           <a:p>
             <a:fld id="{2FD51200-14B8-4398-BE77-9EEBCDDFA0AF}" type="datetimeFigureOut">
               <a:rPr lang="ru-RU" smtClean="0"/>
-              <a:t>14.12.2022</a:t>
+              <a:t>16.12.2022</a:t>
             </a:fld>
             <a:endParaRPr lang="ru-RU"/>
           </a:p>
@@ -1966,7 +1972,7 @@
           <a:p>
             <a:fld id="{2FD51200-14B8-4398-BE77-9EEBCDDFA0AF}" type="datetimeFigureOut">
               <a:rPr lang="ru-RU" smtClean="0"/>
-              <a:t>14.12.2022</a:t>
+              <a:t>16.12.2022</a:t>
             </a:fld>
             <a:endParaRPr lang="ru-RU"/>
           </a:p>
@@ -2079,7 +2085,7 @@
           <a:p>
             <a:fld id="{2FD51200-14B8-4398-BE77-9EEBCDDFA0AF}" type="datetimeFigureOut">
               <a:rPr lang="ru-RU" smtClean="0"/>
-              <a:t>14.12.2022</a:t>
+              <a:t>16.12.2022</a:t>
             </a:fld>
             <a:endParaRPr lang="ru-RU"/>
           </a:p>
@@ -2390,7 +2396,7 @@
           <a:p>
             <a:fld id="{2FD51200-14B8-4398-BE77-9EEBCDDFA0AF}" type="datetimeFigureOut">
               <a:rPr lang="ru-RU" smtClean="0"/>
-              <a:t>14.12.2022</a:t>
+              <a:t>16.12.2022</a:t>
             </a:fld>
             <a:endParaRPr lang="ru-RU"/>
           </a:p>
@@ -2678,7 +2684,7 @@
           <a:p>
             <a:fld id="{2FD51200-14B8-4398-BE77-9EEBCDDFA0AF}" type="datetimeFigureOut">
               <a:rPr lang="ru-RU" smtClean="0"/>
-              <a:t>14.12.2022</a:t>
+              <a:t>16.12.2022</a:t>
             </a:fld>
             <a:endParaRPr lang="ru-RU"/>
           </a:p>
@@ -2919,7 +2925,7 @@
           <a:p>
             <a:fld id="{2FD51200-14B8-4398-BE77-9EEBCDDFA0AF}" type="datetimeFigureOut">
               <a:rPr lang="ru-RU" smtClean="0"/>
-              <a:t>14.12.2022</a:t>
+              <a:t>16.12.2022</a:t>
             </a:fld>
             <a:endParaRPr lang="ru-RU"/>
           </a:p>
@@ -3433,13 +3439,8 @@
             </a:r>
             <a:r>
               <a:rPr lang="ru-RU" b="1" dirty="0"/>
-              <a:t>Fullstack-разработка на языке </a:t>
-            </a:r>
-            <a:r>
-              <a:rPr lang="ru-RU" b="1" dirty="0" err="1"/>
-              <a:t>Java</a:t>
-            </a:r>
-            <a:endParaRPr lang="ru-RU" b="1" dirty="0"/>
+              <a:t>Fullstack-разработка на языке Java</a:t>
+            </a:r>
           </a:p>
           <a:p>
             <a:pPr algn="ctr"/>
@@ -3524,7 +3525,7 @@
           <p:cNvPr id="4" name="Объект 3">
             <a:extLst>
               <a:ext uri="{FF2B5EF4-FFF2-40B4-BE49-F238E27FC236}">
-                <a16:creationId xmlns:a16="http://schemas.microsoft.com/office/drawing/2014/main" id="{2B991A0F-C785-4438-BCE5-145CF18E585B}"/>
+                <a16:creationId xmlns:a16="http://schemas.microsoft.com/office/drawing/2014/main" id="{FA2814E5-8979-4154-A798-101FC45A28BB}"/>
               </a:ext>
             </a:extLst>
           </p:cNvPr>
@@ -3557,7 +3558,7 @@
     </p:spTree>
     <p:extLst>
       <p:ext uri="{BB962C8B-B14F-4D97-AF65-F5344CB8AC3E}">
-        <p14:creationId xmlns:p14="http://schemas.microsoft.com/office/powerpoint/2010/main" val="3078674952"/>
+        <p14:creationId xmlns:p14="http://schemas.microsoft.com/office/powerpoint/2010/main" val="3123209055"/>
       </p:ext>
     </p:extLst>
   </p:cSld>
@@ -3589,7 +3590,7 @@
           <p:cNvPr id="4" name="Объект 3">
             <a:extLst>
               <a:ext uri="{FF2B5EF4-FFF2-40B4-BE49-F238E27FC236}">
-                <a16:creationId xmlns:a16="http://schemas.microsoft.com/office/drawing/2014/main" id="{66AA7265-7A20-49FA-862F-61FE71A49EFA}"/>
+                <a16:creationId xmlns:a16="http://schemas.microsoft.com/office/drawing/2014/main" id="{2B991A0F-C785-4438-BCE5-145CF18E585B}"/>
               </a:ext>
             </a:extLst>
           </p:cNvPr>
@@ -3622,7 +3623,7 @@
     </p:spTree>
     <p:extLst>
       <p:ext uri="{BB962C8B-B14F-4D97-AF65-F5344CB8AC3E}">
-        <p14:creationId xmlns:p14="http://schemas.microsoft.com/office/powerpoint/2010/main" val="456809811"/>
+        <p14:creationId xmlns:p14="http://schemas.microsoft.com/office/powerpoint/2010/main" val="3078674952"/>
       </p:ext>
     </p:extLst>
   </p:cSld>
@@ -3654,7 +3655,7 @@
           <p:cNvPr id="4" name="Объект 3">
             <a:extLst>
               <a:ext uri="{FF2B5EF4-FFF2-40B4-BE49-F238E27FC236}">
-                <a16:creationId xmlns:a16="http://schemas.microsoft.com/office/drawing/2014/main" id="{AA5204DF-EA94-41EA-8DE5-B124A210B098}"/>
+                <a16:creationId xmlns:a16="http://schemas.microsoft.com/office/drawing/2014/main" id="{66AA7265-7A20-49FA-862F-61FE71A49EFA}"/>
               </a:ext>
             </a:extLst>
           </p:cNvPr>
@@ -3687,7 +3688,7 @@
     </p:spTree>
     <p:extLst>
       <p:ext uri="{BB962C8B-B14F-4D97-AF65-F5344CB8AC3E}">
-        <p14:creationId xmlns:p14="http://schemas.microsoft.com/office/powerpoint/2010/main" val="3224441256"/>
+        <p14:creationId xmlns:p14="http://schemas.microsoft.com/office/powerpoint/2010/main" val="456809811"/>
       </p:ext>
     </p:extLst>
   </p:cSld>
@@ -3719,7 +3720,7 @@
           <p:cNvPr id="4" name="Объект 3">
             <a:extLst>
               <a:ext uri="{FF2B5EF4-FFF2-40B4-BE49-F238E27FC236}">
-                <a16:creationId xmlns:a16="http://schemas.microsoft.com/office/drawing/2014/main" id="{883145A2-7479-4084-814E-23ED9CE94459}"/>
+                <a16:creationId xmlns:a16="http://schemas.microsoft.com/office/drawing/2014/main" id="{AA5204DF-EA94-41EA-8DE5-B124A210B098}"/>
               </a:ext>
             </a:extLst>
           </p:cNvPr>
@@ -3738,21 +3739,20 @@
               </a:ext>
             </a:extLst>
           </a:blip>
-          <a:stretch>
-            <a:fillRect/>
-          </a:stretch>
+          <a:srcRect/>
+          <a:stretch/>
         </p:blipFill>
         <p:spPr>
           <a:xfrm>
             <a:off x="366272" y="204788"/>
-            <a:ext cx="11537244" cy="6489700"/>
+            <a:ext cx="11537244" cy="6489699"/>
           </a:xfrm>
         </p:spPr>
       </p:pic>
     </p:spTree>
     <p:extLst>
       <p:ext uri="{BB962C8B-B14F-4D97-AF65-F5344CB8AC3E}">
-        <p14:creationId xmlns:p14="http://schemas.microsoft.com/office/powerpoint/2010/main" val="450041144"/>
+        <p14:creationId xmlns:p14="http://schemas.microsoft.com/office/powerpoint/2010/main" val="3224441256"/>
       </p:ext>
     </p:extLst>
   </p:cSld>
@@ -3781,10 +3781,10 @@
       </p:grpSpPr>
       <p:pic>
         <p:nvPicPr>
-          <p:cNvPr id="4" name="Объект 3">
-            <a:extLst>
-              <a:ext uri="{FF2B5EF4-FFF2-40B4-BE49-F238E27FC236}">
-                <a16:creationId xmlns:a16="http://schemas.microsoft.com/office/drawing/2014/main" id="{F27ED1F0-AD8C-41D1-B736-A6A0F7D9430C}"/>
+          <p:cNvPr id="10" name="Объект 9">
+            <a:extLst>
+              <a:ext uri="{FF2B5EF4-FFF2-40B4-BE49-F238E27FC236}">
+                <a16:creationId xmlns:a16="http://schemas.microsoft.com/office/drawing/2014/main" id="{8957E2A7-89A4-4209-B62E-8C13977F8430}"/>
               </a:ext>
             </a:extLst>
           </p:cNvPr>
@@ -3809,15 +3809,15 @@
         </p:blipFill>
         <p:spPr>
           <a:xfrm>
-            <a:off x="366272" y="204788"/>
-            <a:ext cx="11537244" cy="6489700"/>
+            <a:off x="88777" y="140655"/>
+            <a:ext cx="11691891" cy="6576690"/>
           </a:xfrm>
         </p:spPr>
       </p:pic>
     </p:spTree>
     <p:extLst>
       <p:ext uri="{BB962C8B-B14F-4D97-AF65-F5344CB8AC3E}">
-        <p14:creationId xmlns:p14="http://schemas.microsoft.com/office/powerpoint/2010/main" val="2333870559"/>
+        <p14:creationId xmlns:p14="http://schemas.microsoft.com/office/powerpoint/2010/main" val="450041144"/>
       </p:ext>
     </p:extLst>
   </p:cSld>
@@ -3849,7 +3849,7 @@
           <p:cNvPr id="4" name="Объект 3">
             <a:extLst>
               <a:ext uri="{FF2B5EF4-FFF2-40B4-BE49-F238E27FC236}">
-                <a16:creationId xmlns:a16="http://schemas.microsoft.com/office/drawing/2014/main" id="{4E85C9D2-4EDA-4B05-B200-FBB57FAD886A}"/>
+                <a16:creationId xmlns:a16="http://schemas.microsoft.com/office/drawing/2014/main" id="{F27ED1F0-AD8C-41D1-B736-A6A0F7D9430C}"/>
               </a:ext>
             </a:extLst>
           </p:cNvPr>
@@ -3876,6 +3876,71 @@
           <a:xfrm>
             <a:off x="366272" y="204788"/>
             <a:ext cx="11537244" cy="6489700"/>
+          </a:xfrm>
+        </p:spPr>
+      </p:pic>
+    </p:spTree>
+    <p:extLst>
+      <p:ext uri="{BB962C8B-B14F-4D97-AF65-F5344CB8AC3E}">
+        <p14:creationId xmlns:p14="http://schemas.microsoft.com/office/powerpoint/2010/main" val="2333870559"/>
+      </p:ext>
+    </p:extLst>
+  </p:cSld>
+  <p:clrMapOvr>
+    <a:masterClrMapping/>
+  </p:clrMapOvr>
+</p:sld>
+</file>
+
+<file path=ppt/slides/slide16.xml><?xml version="1.0" encoding="utf-8"?>
+<p:sld xmlns:a="http://schemas.openxmlformats.org/drawingml/2006/main" xmlns:r="http://schemas.openxmlformats.org/officeDocument/2006/relationships" xmlns:p="http://schemas.openxmlformats.org/presentationml/2006/main">
+  <p:cSld>
+    <p:spTree>
+      <p:nvGrpSpPr>
+        <p:cNvPr id="1" name=""/>
+        <p:cNvGrpSpPr/>
+        <p:nvPr/>
+      </p:nvGrpSpPr>
+      <p:grpSpPr>
+        <a:xfrm>
+          <a:off x="0" y="0"/>
+          <a:ext cx="0" cy="0"/>
+          <a:chOff x="0" y="0"/>
+          <a:chExt cx="0" cy="0"/>
+        </a:xfrm>
+      </p:grpSpPr>
+      <p:pic>
+        <p:nvPicPr>
+          <p:cNvPr id="6" name="Объект 5">
+            <a:extLst>
+              <a:ext uri="{FF2B5EF4-FFF2-40B4-BE49-F238E27FC236}">
+                <a16:creationId xmlns:a16="http://schemas.microsoft.com/office/drawing/2014/main" id="{CB03085B-C452-4398-B21D-1CFFCF343240}"/>
+              </a:ext>
+            </a:extLst>
+          </p:cNvPr>
+          <p:cNvPicPr>
+            <a:picLocks noGrp="1" noChangeAspect="1"/>
+          </p:cNvPicPr>
+          <p:nvPr>
+            <p:ph idx="1"/>
+          </p:nvPr>
+        </p:nvPicPr>
+        <p:blipFill>
+          <a:blip r:embed="rId2">
+            <a:extLst>
+              <a:ext uri="{28A0092B-C50C-407E-A947-70E740481C1C}">
+                <a14:useLocalDpi xmlns:a14="http://schemas.microsoft.com/office/drawing/2010/main" val="0"/>
+              </a:ext>
+            </a:extLst>
+          </a:blip>
+          <a:stretch>
+            <a:fillRect/>
+          </a:stretch>
+        </p:blipFill>
+        <p:spPr>
+          <a:xfrm>
+            <a:off x="223421" y="125674"/>
+            <a:ext cx="11745157" cy="6606651"/>
           </a:xfrm>
         </p:spPr>
       </p:pic>
@@ -3892,7 +3957,7 @@
 </p:sld>
 </file>
 
-<file path=ppt/slides/slide16.xml><?xml version="1.0" encoding="utf-8"?>
+<file path=ppt/slides/slide17.xml><?xml version="1.0" encoding="utf-8"?>
 <p:sld xmlns:a="http://schemas.openxmlformats.org/drawingml/2006/main" xmlns:r="http://schemas.openxmlformats.org/officeDocument/2006/relationships" xmlns:p="http://schemas.openxmlformats.org/presentationml/2006/main">
   <p:cSld>
     <p:spTree>
@@ -4476,6 +4541,7 @@
           </a:bodyPr>
           <a:lstStyle/>
           <a:p>
+            <a:pPr algn="ctr"/>
             <a:r>
               <a:rPr lang="ru-RU" b="1" dirty="0"/>
               <a:t>Инструментальные средства</a:t>
@@ -4502,11 +4568,13 @@
         <p:spPr>
           <a:xfrm>
             <a:off x="838200" y="1136342"/>
-            <a:ext cx="10515600" cy="5040621"/>
+            <a:ext cx="10515600" cy="5592932"/>
           </a:xfrm>
         </p:spPr>
         <p:txBody>
-          <a:bodyPr/>
+          <a:bodyPr>
+            <a:normAutofit/>
+          </a:bodyPr>
           <a:lstStyle/>
           <a:p>
             <a:pPr marL="0" indent="0" algn="ctr">
@@ -4533,7 +4601,7 @@
               <a:t>Среда разработки </a:t>
             </a:r>
             <a:r>
-              <a:rPr lang="en-US" dirty="0"/>
+              <a:rPr lang="en-US" b="1" dirty="0"/>
               <a:t>IntelliJ Idea</a:t>
             </a:r>
           </a:p>
@@ -4543,7 +4611,7 @@
               <a:t>Среда развертывания баз данных </a:t>
             </a:r>
             <a:r>
-              <a:rPr lang="en-US" dirty="0"/>
+              <a:rPr lang="en-US" b="1" dirty="0"/>
               <a:t>PostgreSQL PgAdmin4</a:t>
             </a:r>
           </a:p>
@@ -4553,7 +4621,7 @@
               <a:t>Язык программирования </a:t>
             </a:r>
             <a:r>
-              <a:rPr lang="en-US" dirty="0"/>
+              <a:rPr lang="en-US" b="1" dirty="0"/>
               <a:t>Java</a:t>
             </a:r>
           </a:p>
@@ -4563,10 +4631,10 @@
               <a:t>Язык программирования </a:t>
             </a:r>
             <a:r>
-              <a:rPr lang="en-US" dirty="0"/>
+              <a:rPr lang="en-US" b="1" dirty="0"/>
               <a:t>JavaScript</a:t>
             </a:r>
-            <a:endParaRPr lang="ru-RU" dirty="0"/>
+            <a:endParaRPr lang="ru-RU" b="1" dirty="0"/>
           </a:p>
           <a:p>
             <a:r>
@@ -4574,41 +4642,80 @@
               <a:t>Язык гипертекстовой разметки </a:t>
             </a:r>
             <a:r>
-              <a:rPr lang="en-US" dirty="0"/>
+              <a:rPr lang="en-US" b="1" dirty="0"/>
               <a:t>HTML</a:t>
             </a:r>
           </a:p>
           <a:p>
             <a:r>
               <a:rPr lang="ru-RU" dirty="0"/>
-              <a:t> Язык таблиц стилей </a:t>
-            </a:r>
-            <a:r>
-              <a:rPr lang="en-US" dirty="0"/>
+              <a:t>Язык таблиц стилей </a:t>
+            </a:r>
+            <a:r>
+              <a:rPr lang="en-US" b="1" dirty="0"/>
               <a:t>CSS</a:t>
             </a:r>
           </a:p>
           <a:p>
             <a:r>
               <a:rPr lang="ru-RU" b="0" i="0" dirty="0">
-                <a:solidFill>
-                  <a:srgbClr val="333333"/>
-                </a:solidFill>
                 <a:effectLst/>
                 <a:latin typeface="YS Text"/>
               </a:rPr>
               <a:t>Декларативный язык программирования </a:t>
             </a:r>
             <a:r>
-              <a:rPr lang="en-US" b="0" i="0" dirty="0">
-                <a:solidFill>
-                  <a:srgbClr val="333333"/>
-                </a:solidFill>
+              <a:rPr lang="en-US" b="1" i="0" dirty="0">
                 <a:effectLst/>
                 <a:latin typeface="YS Text"/>
               </a:rPr>
               <a:t>SQL</a:t>
             </a:r>
+          </a:p>
+          <a:p>
+            <a:r>
+              <a:rPr lang="en-US" b="1" i="0" dirty="0">
+                <a:effectLst/>
+                <a:latin typeface="YS Text"/>
+              </a:rPr>
+              <a:t>Bootstrap</a:t>
+            </a:r>
+            <a:r>
+              <a:rPr lang="en-US" b="0" i="0" dirty="0">
+                <a:effectLst/>
+                <a:latin typeface="YS Text"/>
+              </a:rPr>
+              <a:t> - HTML, CSS </a:t>
+            </a:r>
+            <a:r>
+              <a:rPr lang="ru-RU" b="0" i="0" dirty="0">
+                <a:effectLst/>
+                <a:latin typeface="YS Text"/>
+              </a:rPr>
+              <a:t>и </a:t>
+            </a:r>
+            <a:r>
+              <a:rPr lang="en-US" dirty="0"/>
+              <a:t>JavaScript</a:t>
+            </a:r>
+            <a:r>
+              <a:rPr lang="en-US" b="0" i="0" dirty="0">
+                <a:effectLst/>
+                <a:latin typeface="YS Text"/>
+              </a:rPr>
+              <a:t> </a:t>
+            </a:r>
+            <a:r>
+              <a:rPr lang="ru-RU" b="0" i="0" dirty="0">
+                <a:effectLst/>
+                <a:latin typeface="YS Text"/>
+              </a:rPr>
+              <a:t>фреймворк</a:t>
+            </a:r>
+            <a:endParaRPr lang="en-US" b="0" i="0" dirty="0">
+              <a:effectLst/>
+              <a:latin typeface="YS Text"/>
+            </a:endParaRPr>
           </a:p>
         </p:txBody>
       </p:sp>
@@ -4647,7 +4754,7 @@
           <p:cNvPr id="2" name="Заголовок 1">
             <a:extLst>
               <a:ext uri="{FF2B5EF4-FFF2-40B4-BE49-F238E27FC236}">
-                <a16:creationId xmlns:a16="http://schemas.microsoft.com/office/drawing/2014/main" id="{1E751BBA-6A66-4780-B3A4-50D3365EE7FC}"/>
+                <a16:creationId xmlns:a16="http://schemas.microsoft.com/office/drawing/2014/main" id="{468DC217-94CC-4E1F-AC9B-F7F9511DCCB4}"/>
               </a:ext>
             </a:extLst>
           </p:cNvPr>
@@ -4661,7 +4768,7 @@
         <p:spPr>
           <a:xfrm>
             <a:off x="838200" y="365125"/>
-            <a:ext cx="10515600" cy="602541"/>
+            <a:ext cx="10515600" cy="664685"/>
           </a:xfrm>
         </p:spPr>
         <p:txBody>
@@ -4670,52 +4777,160 @@
           </a:bodyPr>
           <a:lstStyle/>
           <a:p>
-            <a:r>
-              <a:rPr lang="ru-RU" b="1" dirty="0"/>
-              <a:t>Результат</a:t>
-            </a:r>
-          </a:p>
-        </p:txBody>
-      </p:sp>
-      <p:pic>
-        <p:nvPicPr>
-          <p:cNvPr id="5" name="Объект 4">
-            <a:extLst>
-              <a:ext uri="{FF2B5EF4-FFF2-40B4-BE49-F238E27FC236}">
-                <a16:creationId xmlns:a16="http://schemas.microsoft.com/office/drawing/2014/main" id="{06EDC350-EF88-49E0-8082-EF4E82E40AC4}"/>
-              </a:ext>
-            </a:extLst>
-          </p:cNvPr>
-          <p:cNvPicPr>
-            <a:picLocks noGrp="1" noChangeAspect="1"/>
-          </p:cNvPicPr>
+            <a:pPr algn="ctr"/>
+            <a:r>
+              <a:rPr lang="en-US" b="1" dirty="0"/>
+              <a:t>Spring Framework</a:t>
+            </a:r>
+            <a:endParaRPr lang="ru-RU" b="1" dirty="0"/>
+          </a:p>
+        </p:txBody>
+      </p:sp>
+      <p:sp>
+        <p:nvSpPr>
+          <p:cNvPr id="3" name="Объект 2">
+            <a:extLst>
+              <a:ext uri="{FF2B5EF4-FFF2-40B4-BE49-F238E27FC236}">
+                <a16:creationId xmlns:a16="http://schemas.microsoft.com/office/drawing/2014/main" id="{2F553510-544A-47BC-B243-536F6CE6E9E5}"/>
+              </a:ext>
+            </a:extLst>
+          </p:cNvPr>
+          <p:cNvSpPr>
+            <a:spLocks noGrp="1"/>
+          </p:cNvSpPr>
           <p:nvPr>
             <p:ph idx="1"/>
           </p:nvPr>
-        </p:nvPicPr>
-        <p:blipFill>
-          <a:blip r:embed="rId2">
-            <a:extLst>
-              <a:ext uri="{28A0092B-C50C-407E-A947-70E740481C1C}">
-                <a14:useLocalDpi xmlns:a14="http://schemas.microsoft.com/office/drawing/2010/main" val="0"/>
-              </a:ext>
-            </a:extLst>
-          </a:blip>
-          <a:stretch>
-            <a:fillRect/>
-          </a:stretch>
-        </p:blipFill>
+        </p:nvSpPr>
         <p:spPr>
           <a:xfrm>
-            <a:off x="621437" y="1069722"/>
-            <a:ext cx="9907478" cy="5572956"/>
+            <a:off x="838200" y="1660124"/>
+            <a:ext cx="10515600" cy="3906175"/>
           </a:xfrm>
         </p:spPr>
-      </p:pic>
+        <p:txBody>
+          <a:bodyPr/>
+          <a:lstStyle/>
+          <a:p>
+            <a:pPr algn="just"/>
+            <a:r>
+              <a:rPr lang="en-US" b="1" dirty="0"/>
+              <a:t>Spring Boot </a:t>
+            </a:r>
+            <a:r>
+              <a:rPr lang="en-US" dirty="0"/>
+              <a:t>– </a:t>
+            </a:r>
+            <a:r>
+              <a:rPr lang="ru-RU" dirty="0"/>
+              <a:t>расширение созданное на платформе </a:t>
+            </a:r>
+            <a:r>
+              <a:rPr lang="en-US" dirty="0"/>
+              <a:t>Spring</a:t>
+            </a:r>
+          </a:p>
+          <a:p>
+            <a:pPr algn="just"/>
+            <a:r>
+              <a:rPr lang="en-US" b="1" dirty="0"/>
+              <a:t>Spring Web</a:t>
+            </a:r>
+            <a:r>
+              <a:rPr lang="en-US" dirty="0"/>
+              <a:t> – </a:t>
+            </a:r>
+            <a:r>
+              <a:rPr lang="ru-RU" dirty="0"/>
+              <a:t>компонент </a:t>
+            </a:r>
+            <a:r>
+              <a:rPr lang="ru-RU" b="0" i="0" dirty="0">
+                <a:effectLst/>
+                <a:latin typeface="YS Text"/>
+              </a:rPr>
+              <a:t>создания слабо связанных веб-приложений</a:t>
+            </a:r>
+            <a:endParaRPr lang="en-US" dirty="0"/>
+          </a:p>
+          <a:p>
+            <a:pPr algn="just"/>
+            <a:r>
+              <a:rPr lang="en-US" b="1" dirty="0"/>
+              <a:t>Spring Data JPA</a:t>
+            </a:r>
+            <a:r>
+              <a:rPr lang="en-US" dirty="0"/>
+              <a:t> – </a:t>
+            </a:r>
+            <a:r>
+              <a:rPr lang="ru-RU" dirty="0"/>
+              <a:t>компонент реализации репозиториев на основе </a:t>
+            </a:r>
+            <a:r>
+              <a:rPr lang="en-US" dirty="0"/>
+              <a:t>JPA</a:t>
+            </a:r>
+            <a:r>
+              <a:rPr lang="ru-RU" dirty="0"/>
+              <a:t> (</a:t>
+            </a:r>
+            <a:r>
+              <a:rPr lang="en-US" dirty="0"/>
+              <a:t>Java Persistence API)</a:t>
+            </a:r>
+          </a:p>
+          <a:p>
+            <a:pPr algn="just"/>
+            <a:r>
+              <a:rPr lang="en-US" b="1" dirty="0"/>
+              <a:t>Spring Security</a:t>
+            </a:r>
+            <a:r>
+              <a:rPr lang="en-US" dirty="0"/>
+              <a:t> – </a:t>
+            </a:r>
+            <a:r>
+              <a:rPr lang="ru-RU" dirty="0"/>
+              <a:t>компонент </a:t>
+            </a:r>
+            <a:r>
+              <a:rPr lang="ru-RU" b="0" i="0" dirty="0">
+                <a:effectLst/>
+              </a:rPr>
+              <a:t>настраиваемой среды аутентификации и контроля доступа</a:t>
+            </a:r>
+          </a:p>
+          <a:p>
+            <a:pPr algn="just"/>
+            <a:r>
+              <a:rPr lang="en-US" b="1" dirty="0"/>
+              <a:t>Thymeleaf</a:t>
+            </a:r>
+            <a:r>
+              <a:rPr lang="en-US" dirty="0"/>
+              <a:t> - </a:t>
+            </a:r>
+            <a:r>
+              <a:rPr lang="ru-RU" b="0" i="0" dirty="0">
+                <a:effectLst/>
+              </a:rPr>
+              <a:t>механизм шаблонов Java на стороне сервера</a:t>
+            </a:r>
+            <a:endParaRPr lang="en-US" dirty="0"/>
+          </a:p>
+          <a:p>
+            <a:pPr marL="0" indent="0">
+              <a:buNone/>
+            </a:pPr>
+            <a:endParaRPr lang="ru-RU" dirty="0"/>
+          </a:p>
+        </p:txBody>
+      </p:sp>
     </p:spTree>
     <p:extLst>
       <p:ext uri="{BB962C8B-B14F-4D97-AF65-F5344CB8AC3E}">
-        <p14:creationId xmlns:p14="http://schemas.microsoft.com/office/powerpoint/2010/main" val="1390878667"/>
+        <p14:creationId xmlns:p14="http://schemas.microsoft.com/office/powerpoint/2010/main" val="1261667595"/>
       </p:ext>
     </p:extLst>
   </p:cSld>
@@ -4742,12 +4957,48 @@
           <a:chExt cx="0" cy="0"/>
         </a:xfrm>
       </p:grpSpPr>
+      <p:sp>
+        <p:nvSpPr>
+          <p:cNvPr id="2" name="Заголовок 1">
+            <a:extLst>
+              <a:ext uri="{FF2B5EF4-FFF2-40B4-BE49-F238E27FC236}">
+                <a16:creationId xmlns:a16="http://schemas.microsoft.com/office/drawing/2014/main" id="{1E751BBA-6A66-4780-B3A4-50D3365EE7FC}"/>
+              </a:ext>
+            </a:extLst>
+          </p:cNvPr>
+          <p:cNvSpPr>
+            <a:spLocks noGrp="1"/>
+          </p:cNvSpPr>
+          <p:nvPr>
+            <p:ph type="title"/>
+          </p:nvPr>
+        </p:nvSpPr>
+        <p:spPr>
+          <a:xfrm>
+            <a:off x="838200" y="365125"/>
+            <a:ext cx="10515600" cy="602541"/>
+          </a:xfrm>
+        </p:spPr>
+        <p:txBody>
+          <a:bodyPr>
+            <a:normAutofit fontScale="90000"/>
+          </a:bodyPr>
+          <a:lstStyle/>
+          <a:p>
+            <a:pPr algn="ctr"/>
+            <a:r>
+              <a:rPr lang="ru-RU" b="1" dirty="0"/>
+              <a:t>Результат</a:t>
+            </a:r>
+          </a:p>
+        </p:txBody>
+      </p:sp>
       <p:pic>
         <p:nvPicPr>
           <p:cNvPr id="5" name="Объект 4">
             <a:extLst>
               <a:ext uri="{FF2B5EF4-FFF2-40B4-BE49-F238E27FC236}">
-                <a16:creationId xmlns:a16="http://schemas.microsoft.com/office/drawing/2014/main" id="{593B13E9-DB4D-4832-ACF7-79A695765F9A}"/>
+                <a16:creationId xmlns:a16="http://schemas.microsoft.com/office/drawing/2014/main" id="{06EDC350-EF88-49E0-8082-EF4E82E40AC4}"/>
               </a:ext>
             </a:extLst>
           </p:cNvPr>
@@ -4772,15 +5023,15 @@
         </p:blipFill>
         <p:spPr>
           <a:xfrm>
-            <a:off x="332406" y="230188"/>
-            <a:ext cx="11427176" cy="6427787"/>
+            <a:off x="1142261" y="1069722"/>
+            <a:ext cx="9907478" cy="5572956"/>
           </a:xfrm>
         </p:spPr>
       </p:pic>
     </p:spTree>
     <p:extLst>
       <p:ext uri="{BB962C8B-B14F-4D97-AF65-F5344CB8AC3E}">
-        <p14:creationId xmlns:p14="http://schemas.microsoft.com/office/powerpoint/2010/main" val="63082194"/>
+        <p14:creationId xmlns:p14="http://schemas.microsoft.com/office/powerpoint/2010/main" val="1390878667"/>
       </p:ext>
     </p:extLst>
   </p:cSld>
@@ -4812,7 +5063,7 @@
           <p:cNvPr id="5" name="Объект 4">
             <a:extLst>
               <a:ext uri="{FF2B5EF4-FFF2-40B4-BE49-F238E27FC236}">
-                <a16:creationId xmlns:a16="http://schemas.microsoft.com/office/drawing/2014/main" id="{3625F086-5E09-49A2-9C20-0F3333B2E3DD}"/>
+                <a16:creationId xmlns:a16="http://schemas.microsoft.com/office/drawing/2014/main" id="{593B13E9-DB4D-4832-ACF7-79A695765F9A}"/>
               </a:ext>
             </a:extLst>
           </p:cNvPr>
@@ -4837,15 +5088,15 @@
         </p:blipFill>
         <p:spPr>
           <a:xfrm>
-            <a:off x="366272" y="204788"/>
-            <a:ext cx="11537244" cy="6489700"/>
+            <a:off x="332406" y="203555"/>
+            <a:ext cx="11427176" cy="6427787"/>
           </a:xfrm>
         </p:spPr>
       </p:pic>
     </p:spTree>
     <p:extLst>
       <p:ext uri="{BB962C8B-B14F-4D97-AF65-F5344CB8AC3E}">
-        <p14:creationId xmlns:p14="http://schemas.microsoft.com/office/powerpoint/2010/main" val="3941275490"/>
+        <p14:creationId xmlns:p14="http://schemas.microsoft.com/office/powerpoint/2010/main" val="63082194"/>
       </p:ext>
     </p:extLst>
   </p:cSld>
@@ -4874,10 +5125,10 @@
       </p:grpSpPr>
       <p:pic>
         <p:nvPicPr>
-          <p:cNvPr id="4" name="Объект 3">
-            <a:extLst>
-              <a:ext uri="{FF2B5EF4-FFF2-40B4-BE49-F238E27FC236}">
-                <a16:creationId xmlns:a16="http://schemas.microsoft.com/office/drawing/2014/main" id="{FA2814E5-8979-4154-A798-101FC45A28BB}"/>
+          <p:cNvPr id="5" name="Объект 4">
+            <a:extLst>
+              <a:ext uri="{FF2B5EF4-FFF2-40B4-BE49-F238E27FC236}">
+                <a16:creationId xmlns:a16="http://schemas.microsoft.com/office/drawing/2014/main" id="{3625F086-5E09-49A2-9C20-0F3333B2E3DD}"/>
               </a:ext>
             </a:extLst>
           </p:cNvPr>
@@ -4910,7 +5161,7 @@
     </p:spTree>
     <p:extLst>
       <p:ext uri="{BB962C8B-B14F-4D97-AF65-F5344CB8AC3E}">
-        <p14:creationId xmlns:p14="http://schemas.microsoft.com/office/powerpoint/2010/main" val="3123209055"/>
+        <p14:creationId xmlns:p14="http://schemas.microsoft.com/office/powerpoint/2010/main" val="3941275490"/>
       </p:ext>
     </p:extLst>
   </p:cSld>
